--- a/Tweets purification.pptx
+++ b/Tweets purification.pptx
@@ -29,74 +29,74 @@
   <p:defaultTextStyle>
     <a:lvl1pPr>
       <a:defRPr>
-        <a:latin typeface="Perpetua"/>
-        <a:ea typeface="Perpetua"/>
-        <a:cs typeface="Perpetua"/>
-        <a:sym typeface="Perpetua"/>
+        <a:latin typeface="+mn-lt"/>
+        <a:ea typeface="+mn-ea"/>
+        <a:cs typeface="+mn-cs"/>
+        <a:sym typeface="Avenir Roman"/>
       </a:defRPr>
     </a:lvl1pPr>
-    <a:lvl2pPr indent="457200">
+    <a:lvl2pPr>
       <a:defRPr>
-        <a:latin typeface="Perpetua"/>
-        <a:ea typeface="Perpetua"/>
-        <a:cs typeface="Perpetua"/>
-        <a:sym typeface="Perpetua"/>
+        <a:latin typeface="+mn-lt"/>
+        <a:ea typeface="+mn-ea"/>
+        <a:cs typeface="+mn-cs"/>
+        <a:sym typeface="Avenir Roman"/>
       </a:defRPr>
     </a:lvl2pPr>
-    <a:lvl3pPr indent="914400">
+    <a:lvl3pPr>
       <a:defRPr>
-        <a:latin typeface="Perpetua"/>
-        <a:ea typeface="Perpetua"/>
-        <a:cs typeface="Perpetua"/>
-        <a:sym typeface="Perpetua"/>
+        <a:latin typeface="+mn-lt"/>
+        <a:ea typeface="+mn-ea"/>
+        <a:cs typeface="+mn-cs"/>
+        <a:sym typeface="Avenir Roman"/>
       </a:defRPr>
     </a:lvl3pPr>
-    <a:lvl4pPr indent="1371600">
+    <a:lvl4pPr>
       <a:defRPr>
-        <a:latin typeface="Perpetua"/>
-        <a:ea typeface="Perpetua"/>
-        <a:cs typeface="Perpetua"/>
-        <a:sym typeface="Perpetua"/>
+        <a:latin typeface="+mn-lt"/>
+        <a:ea typeface="+mn-ea"/>
+        <a:cs typeface="+mn-cs"/>
+        <a:sym typeface="Avenir Roman"/>
       </a:defRPr>
     </a:lvl4pPr>
-    <a:lvl5pPr indent="1828800">
+    <a:lvl5pPr>
       <a:defRPr>
-        <a:latin typeface="Perpetua"/>
-        <a:ea typeface="Perpetua"/>
-        <a:cs typeface="Perpetua"/>
-        <a:sym typeface="Perpetua"/>
+        <a:latin typeface="+mn-lt"/>
+        <a:ea typeface="+mn-ea"/>
+        <a:cs typeface="+mn-cs"/>
+        <a:sym typeface="Avenir Roman"/>
       </a:defRPr>
     </a:lvl5pPr>
-    <a:lvl6pPr indent="2286000">
+    <a:lvl6pPr>
       <a:defRPr>
-        <a:latin typeface="Perpetua"/>
-        <a:ea typeface="Perpetua"/>
-        <a:cs typeface="Perpetua"/>
-        <a:sym typeface="Perpetua"/>
+        <a:latin typeface="+mn-lt"/>
+        <a:ea typeface="+mn-ea"/>
+        <a:cs typeface="+mn-cs"/>
+        <a:sym typeface="Avenir Roman"/>
       </a:defRPr>
     </a:lvl6pPr>
-    <a:lvl7pPr indent="2743200">
+    <a:lvl7pPr>
       <a:defRPr>
-        <a:latin typeface="Perpetua"/>
-        <a:ea typeface="Perpetua"/>
-        <a:cs typeface="Perpetua"/>
-        <a:sym typeface="Perpetua"/>
+        <a:latin typeface="+mn-lt"/>
+        <a:ea typeface="+mn-ea"/>
+        <a:cs typeface="+mn-cs"/>
+        <a:sym typeface="Avenir Roman"/>
       </a:defRPr>
     </a:lvl7pPr>
-    <a:lvl8pPr indent="3200400">
+    <a:lvl8pPr>
       <a:defRPr>
-        <a:latin typeface="Perpetua"/>
-        <a:ea typeface="Perpetua"/>
-        <a:cs typeface="Perpetua"/>
-        <a:sym typeface="Perpetua"/>
+        <a:latin typeface="+mn-lt"/>
+        <a:ea typeface="+mn-ea"/>
+        <a:cs typeface="+mn-cs"/>
+        <a:sym typeface="Avenir Roman"/>
       </a:defRPr>
     </a:lvl8pPr>
-    <a:lvl9pPr indent="3657600">
+    <a:lvl9pPr>
       <a:defRPr>
-        <a:latin typeface="Perpetua"/>
-        <a:ea typeface="Perpetua"/>
-        <a:cs typeface="Perpetua"/>
-        <a:sym typeface="Perpetua"/>
+        <a:latin typeface="+mn-lt"/>
+        <a:ea typeface="+mn-ea"/>
+        <a:cs typeface="+mn-cs"/>
+        <a:sym typeface="Avenir Roman"/>
       </a:defRPr>
     </a:lvl9pPr>
   </p:defaultTextStyle>
@@ -337,6 +337,10 @@
                 <a:solidFill>
                   <a:srgbClr val="FFFFFF"/>
                 </a:solidFill>
+                <a:latin typeface="Perpetua"/>
+                <a:ea typeface="Perpetua"/>
+                <a:cs typeface="Perpetua"/>
+                <a:sym typeface="Perpetua"/>
               </a:defRPr>
             </a:pPr>
           </a:p>
@@ -351,7 +355,7 @@
         <p:spPr>
           <a:xfrm>
             <a:off x="65313" y="69755"/>
-            <a:ext cx="9013373" cy="6692201"/>
+            <a:ext cx="9013374" cy="6692201"/>
           </a:xfrm>
           <a:prstGeom prst="roundRect">
             <a:avLst>
@@ -374,6 +378,10 @@
                 <a:solidFill>
                   <a:srgbClr val="FFFFFF"/>
                 </a:solidFill>
+                <a:latin typeface="Perpetua"/>
+                <a:ea typeface="Perpetua"/>
+                <a:cs typeface="Perpetua"/>
+                <a:sym typeface="Perpetua"/>
               </a:defRPr>
             </a:pPr>
           </a:p>
@@ -390,7 +398,7 @@
         <p:spPr>
           <a:xfrm>
             <a:off x="1295400" y="3200400"/>
-            <a:ext cx="6400800" cy="3314700"/>
+            <a:ext cx="6400800" cy="3657600"/>
           </a:xfrm>
           <a:prstGeom prst="rect">
             <a:avLst/>
@@ -461,7 +469,7 @@
         <p:spPr>
           <a:xfrm>
             <a:off x="62931" y="1449302"/>
-            <a:ext cx="9021537" cy="1527351"/>
+            <a:ext cx="9021537" cy="1527352"/>
           </a:xfrm>
           <a:prstGeom prst="rect">
             <a:avLst/>
@@ -482,6 +490,10 @@
                 <a:solidFill>
                   <a:srgbClr val="FFFFFF"/>
                 </a:solidFill>
+                <a:latin typeface="Perpetua"/>
+                <a:ea typeface="Perpetua"/>
+                <a:cs typeface="Perpetua"/>
+                <a:sym typeface="Perpetua"/>
               </a:defRPr>
             </a:pPr>
           </a:p>
@@ -517,6 +529,10 @@
                 <a:solidFill>
                   <a:srgbClr val="FFFFFF"/>
                 </a:solidFill>
+                <a:latin typeface="Perpetua"/>
+                <a:ea typeface="Perpetua"/>
+                <a:cs typeface="Perpetua"/>
+                <a:sym typeface="Perpetua"/>
               </a:defRPr>
             </a:pPr>
           </a:p>
@@ -530,7 +546,7 @@
         </p:nvSpPr>
         <p:spPr>
           <a:xfrm>
-            <a:off x="62931" y="2976648"/>
+            <a:off x="62931" y="2976647"/>
             <a:ext cx="9021537" cy="110533"/>
           </a:xfrm>
           <a:prstGeom prst="rect">
@@ -552,6 +568,10 @@
                 <a:solidFill>
                   <a:srgbClr val="FFFFFF"/>
                 </a:solidFill>
+                <a:latin typeface="Perpetua"/>
+                <a:ea typeface="Perpetua"/>
+                <a:cs typeface="Perpetua"/>
+                <a:sym typeface="Perpetua"/>
               </a:defRPr>
             </a:pPr>
           </a:p>
@@ -567,8 +587,8 @@
         </p:nvSpPr>
         <p:spPr>
           <a:xfrm>
-            <a:off x="457200" y="1281484"/>
-            <a:ext cx="8229600" cy="1918916"/>
+            <a:off x="457200" y="1281483"/>
+            <a:ext cx="8229600" cy="1918917"/>
           </a:xfrm>
           <a:prstGeom prst="rect">
             <a:avLst/>
@@ -1127,6 +1147,10 @@
                 <a:solidFill>
                   <a:srgbClr val="FFFFFF"/>
                 </a:solidFill>
+                <a:latin typeface="Perpetua"/>
+                <a:ea typeface="Perpetua"/>
+                <a:cs typeface="Perpetua"/>
+                <a:sym typeface="Perpetua"/>
               </a:defRPr>
             </a:pPr>
           </a:p>
@@ -1141,7 +1165,7 @@
         <p:spPr>
           <a:xfrm>
             <a:off x="65313" y="69755"/>
-            <a:ext cx="9013373" cy="6692201"/>
+            <a:ext cx="9013374" cy="6692201"/>
           </a:xfrm>
           <a:prstGeom prst="roundRect">
             <a:avLst>
@@ -1164,6 +1188,10 @@
                 <a:solidFill>
                   <a:srgbClr val="FFFFFF"/>
                 </a:solidFill>
+                <a:latin typeface="Perpetua"/>
+                <a:ea typeface="Perpetua"/>
+                <a:cs typeface="Perpetua"/>
+                <a:sym typeface="Perpetua"/>
               </a:defRPr>
             </a:pPr>
           </a:p>
@@ -1219,7 +1247,7 @@
         <p:spPr>
           <a:xfrm>
             <a:off x="722312" y="2547938"/>
-            <a:ext cx="7772401" cy="3052763"/>
+            <a:ext cx="7772401" cy="4310062"/>
           </a:xfrm>
           <a:prstGeom prst="rect">
             <a:avLst/>
@@ -1267,8 +1295,8 @@
         </p:nvSpPr>
         <p:spPr>
           <a:xfrm flipV="1">
-            <a:off x="69412" y="2376829"/>
-            <a:ext cx="9013515" cy="91441"/>
+            <a:off x="69412" y="2376828"/>
+            <a:ext cx="9013515" cy="91442"/>
           </a:xfrm>
           <a:prstGeom prst="rect">
             <a:avLst/>
@@ -1289,6 +1317,10 @@
                 <a:solidFill>
                   <a:srgbClr val="FFFFFF"/>
                 </a:solidFill>
+                <a:latin typeface="Perpetua"/>
+                <a:ea typeface="Perpetua"/>
+                <a:cs typeface="Perpetua"/>
+                <a:sym typeface="Perpetua"/>
               </a:defRPr>
             </a:pPr>
           </a:p>
@@ -1302,8 +1334,8 @@
         </p:nvSpPr>
         <p:spPr>
           <a:xfrm>
-            <a:off x="69146" y="2341474"/>
-            <a:ext cx="9013781" cy="45720"/>
+            <a:off x="69146" y="2341473"/>
+            <a:ext cx="9013781" cy="45721"/>
           </a:xfrm>
           <a:prstGeom prst="rect">
             <a:avLst/>
@@ -1324,6 +1356,10 @@
                 <a:solidFill>
                   <a:srgbClr val="FFFFFF"/>
                 </a:solidFill>
+                <a:latin typeface="Perpetua"/>
+                <a:ea typeface="Perpetua"/>
+                <a:cs typeface="Perpetua"/>
+                <a:sym typeface="Perpetua"/>
               </a:defRPr>
             </a:pPr>
           </a:p>
@@ -1337,8 +1373,8 @@
         </p:nvSpPr>
         <p:spPr>
           <a:xfrm>
-            <a:off x="68305" y="2468879"/>
-            <a:ext cx="9014623" cy="45721"/>
+            <a:off x="68305" y="2468878"/>
+            <a:ext cx="9014623" cy="45722"/>
           </a:xfrm>
           <a:prstGeom prst="rect">
             <a:avLst/>
@@ -1359,6 +1395,10 @@
                 <a:solidFill>
                   <a:srgbClr val="FFFFFF"/>
                 </a:solidFill>
+                <a:latin typeface="Perpetua"/>
+                <a:ea typeface="Perpetua"/>
+                <a:cs typeface="Perpetua"/>
+                <a:sym typeface="Perpetua"/>
               </a:defRPr>
             </a:pPr>
           </a:p>
@@ -1875,6 +1915,10 @@
                 <a:solidFill>
                   <a:srgbClr val="FFFFFF"/>
                 </a:solidFill>
+                <a:latin typeface="Perpetua"/>
+                <a:ea typeface="Perpetua"/>
+                <a:cs typeface="Perpetua"/>
+                <a:sym typeface="Perpetua"/>
               </a:defRPr>
             </a:pPr>
           </a:p>
@@ -1912,6 +1956,10 @@
                 <a:solidFill>
                   <a:srgbClr val="FFFFFF"/>
                 </a:solidFill>
+                <a:latin typeface="Perpetua"/>
+                <a:ea typeface="Perpetua"/>
+                <a:cs typeface="Perpetua"/>
+                <a:sym typeface="Perpetua"/>
               </a:defRPr>
             </a:pPr>
           </a:p>
@@ -2051,7 +2099,7 @@
         <p:spPr>
           <a:xfrm>
             <a:off x="914400" y="4877563"/>
-            <a:ext cx="7315200" cy="568263"/>
+            <a:ext cx="7315200" cy="568264"/>
           </a:xfrm>
           <a:prstGeom prst="rect">
             <a:avLst/>
@@ -2096,7 +2144,7 @@
         <p:spPr>
           <a:xfrm>
             <a:off x="914400" y="5445824"/>
-            <a:ext cx="7315200" cy="1412176"/>
+            <a:ext cx="7315200" cy="1412177"/>
           </a:xfrm>
           <a:prstGeom prst="rect">
             <a:avLst/>
@@ -2159,7 +2207,7 @@
         <p:spPr>
           <a:xfrm flipV="1">
             <a:off x="68306" y="4683554"/>
-            <a:ext cx="9006842" cy="91441"/>
+            <a:ext cx="9006842" cy="91442"/>
           </a:xfrm>
           <a:prstGeom prst="rect">
             <a:avLst/>
@@ -2180,6 +2228,10 @@
                 <a:solidFill>
                   <a:srgbClr val="FFFFFF"/>
                 </a:solidFill>
+                <a:latin typeface="Perpetua"/>
+                <a:ea typeface="Perpetua"/>
+                <a:cs typeface="Perpetua"/>
+                <a:sym typeface="Perpetua"/>
               </a:defRPr>
             </a:pPr>
           </a:p>
@@ -2194,7 +2246,7 @@
         <p:spPr>
           <a:xfrm>
             <a:off x="68508" y="4650473"/>
-            <a:ext cx="9006639" cy="45720"/>
+            <a:ext cx="9006639" cy="45721"/>
           </a:xfrm>
           <a:prstGeom prst="rect">
             <a:avLst/>
@@ -2215,6 +2267,10 @@
                 <a:solidFill>
                   <a:srgbClr val="FFFFFF"/>
                 </a:solidFill>
+                <a:latin typeface="Perpetua"/>
+                <a:ea typeface="Perpetua"/>
+                <a:cs typeface="Perpetua"/>
+                <a:sym typeface="Perpetua"/>
               </a:defRPr>
             </a:pPr>
           </a:p>
@@ -2229,7 +2285,7 @@
         <p:spPr>
           <a:xfrm>
             <a:off x="68509" y="4773224"/>
-            <a:ext cx="9006639" cy="48808"/>
+            <a:ext cx="9006639" cy="48809"/>
           </a:xfrm>
           <a:prstGeom prst="rect">
             <a:avLst/>
@@ -2250,6 +2306,10 @@
                 <a:solidFill>
                   <a:srgbClr val="FFFFFF"/>
                 </a:solidFill>
+                <a:latin typeface="Perpetua"/>
+                <a:ea typeface="Perpetua"/>
+                <a:cs typeface="Perpetua"/>
+                <a:sym typeface="Perpetua"/>
               </a:defRPr>
             </a:pPr>
           </a:p>
@@ -2318,6 +2378,10 @@
                 <a:solidFill>
                   <a:srgbClr val="FFFFFF"/>
                 </a:solidFill>
+                <a:latin typeface="Perpetua"/>
+                <a:ea typeface="Perpetua"/>
+                <a:cs typeface="Perpetua"/>
+                <a:sym typeface="Perpetua"/>
               </a:defRPr>
             </a:pPr>
           </a:p>
@@ -2355,6 +2419,10 @@
                 <a:solidFill>
                   <a:srgbClr val="FFFFFF"/>
                 </a:solidFill>
+                <a:latin typeface="Perpetua"/>
+                <a:ea typeface="Perpetua"/>
+                <a:cs typeface="Perpetua"/>
+                <a:sym typeface="Perpetua"/>
               </a:defRPr>
             </a:pPr>
           </a:p>
@@ -2386,7 +2454,7 @@
           </a:extLst>
         </p:spPr>
         <p:txBody>
-          <a:bodyPr lIns="45719" rIns="45719" anchor="b">
+          <a:bodyPr lIns="45718" tIns="45718" rIns="45718" bIns="45718" anchor="b">
             <a:normAutofit fontScale="100000" lnSpcReduction="0"/>
           </a:bodyPr>
           <a:lstStyle/>
@@ -2419,8 +2487,8 @@
         </p:nvSpPr>
         <p:spPr>
           <a:xfrm>
-            <a:off x="269697" y="6339789"/>
-            <a:ext cx="210414" cy="198222"/>
+            <a:off x="269697" y="6339788"/>
+            <a:ext cx="210414" cy="198223"/>
           </a:xfrm>
           <a:prstGeom prst="rect">
             <a:avLst/>
@@ -2481,7 +2549,7 @@
           </a:extLst>
         </p:spPr>
         <p:txBody>
-          <a:bodyPr lIns="45719" rIns="45719">
+          <a:bodyPr lIns="45718" tIns="45718" rIns="45718" bIns="45718">
             <a:normAutofit fontScale="100000" lnSpcReduction="0"/>
           </a:bodyPr>
           <a:lstStyle/>
@@ -2690,7 +2758,7 @@
           <a:sym typeface="Perpetua"/>
         </a:defRPr>
       </a:lvl2pPr>
-      <a:lvl3pPr marL="891540" indent="-297180">
+      <a:lvl3pPr marL="891539" indent="-297180">
         <a:spcBef>
           <a:spcPts val="500"/>
         </a:spcBef>
@@ -2733,7 +2801,7 @@
         </a:buClr>
         <a:buSzPct val="100000"/>
         <a:buFont typeface="Wingdings 2"/>
-        <a:buChar char="o"/>
+        <a:buChar char="⑥"/>
         <a:defRPr sz="2600">
           <a:latin typeface="Perpetua"/>
           <a:ea typeface="Perpetua"/>
@@ -2758,7 +2826,7 @@
           <a:sym typeface="Perpetua"/>
         </a:defRPr>
       </a:lvl6pPr>
-      <a:lvl7pPr marL="2021839" indent="-330200">
+      <a:lvl7pPr marL="2021838" indent="-330200">
         <a:spcBef>
           <a:spcPts val="500"/>
         </a:spcBef>
@@ -2792,7 +2860,7 @@
           <a:sym typeface="Perpetua"/>
         </a:defRPr>
       </a:lvl8pPr>
-      <a:lvl9pPr marL="2570479" indent="-330200">
+      <a:lvl9pPr marL="2570478" indent="-330200">
         <a:spcBef>
           <a:spcPts val="500"/>
         </a:spcBef>
@@ -2822,7 +2890,7 @@
           <a:sym typeface="Franklin Gothic Book"/>
         </a:defRPr>
       </a:lvl1pPr>
-      <a:lvl2pPr indent="457200" algn="ctr">
+      <a:lvl2pPr algn="ctr">
         <a:defRPr sz="1400">
           <a:solidFill>
             <a:schemeClr val="tx1"/>
@@ -2833,7 +2901,7 @@
           <a:sym typeface="Franklin Gothic Book"/>
         </a:defRPr>
       </a:lvl2pPr>
-      <a:lvl3pPr indent="914400" algn="ctr">
+      <a:lvl3pPr algn="ctr">
         <a:defRPr sz="1400">
           <a:solidFill>
             <a:schemeClr val="tx1"/>
@@ -2844,7 +2912,7 @@
           <a:sym typeface="Franklin Gothic Book"/>
         </a:defRPr>
       </a:lvl3pPr>
-      <a:lvl4pPr indent="1371600" algn="ctr">
+      <a:lvl4pPr algn="ctr">
         <a:defRPr sz="1400">
           <a:solidFill>
             <a:schemeClr val="tx1"/>
@@ -2855,7 +2923,7 @@
           <a:sym typeface="Franklin Gothic Book"/>
         </a:defRPr>
       </a:lvl4pPr>
-      <a:lvl5pPr indent="1828800" algn="ctr">
+      <a:lvl5pPr algn="ctr">
         <a:defRPr sz="1400">
           <a:solidFill>
             <a:schemeClr val="tx1"/>
@@ -2866,7 +2934,7 @@
           <a:sym typeface="Franklin Gothic Book"/>
         </a:defRPr>
       </a:lvl5pPr>
-      <a:lvl6pPr indent="2286000" algn="ctr">
+      <a:lvl6pPr algn="ctr">
         <a:defRPr sz="1400">
           <a:solidFill>
             <a:schemeClr val="tx1"/>
@@ -2877,7 +2945,7 @@
           <a:sym typeface="Franklin Gothic Book"/>
         </a:defRPr>
       </a:lvl6pPr>
-      <a:lvl7pPr indent="2743200" algn="ctr">
+      <a:lvl7pPr algn="ctr">
         <a:defRPr sz="1400">
           <a:solidFill>
             <a:schemeClr val="tx1"/>
@@ -2888,7 +2956,7 @@
           <a:sym typeface="Franklin Gothic Book"/>
         </a:defRPr>
       </a:lvl7pPr>
-      <a:lvl8pPr indent="3200400" algn="ctr">
+      <a:lvl8pPr algn="ctr">
         <a:defRPr sz="1400">
           <a:solidFill>
             <a:schemeClr val="tx1"/>
@@ -2899,7 +2967,7 @@
           <a:sym typeface="Franklin Gothic Book"/>
         </a:defRPr>
       </a:lvl8pPr>
-      <a:lvl9pPr indent="3657600" algn="ctr">
+      <a:lvl9pPr algn="ctr">
         <a:defRPr sz="1400">
           <a:solidFill>
             <a:schemeClr val="tx1"/>
@@ -2971,11 +3039,7 @@
               </a:rPr>
               <a:t>CS246</a:t>
             </a:r>
-            <a:endParaRPr sz="2400">
-              <a:solidFill>
-                <a:srgbClr val="696464"/>
-              </a:solidFill>
-            </a:endParaRPr>
+            <a:endParaRPr sz="2400"/>
           </a:p>
           <a:p>
             <a:pPr lvl="0">
@@ -2996,11 +3060,7 @@
               </a:rPr>
               <a:t>Jennifer Zhang</a:t>
             </a:r>
-            <a:endParaRPr sz="2400">
-              <a:solidFill>
-                <a:srgbClr val="696464"/>
-              </a:solidFill>
-            </a:endParaRPr>
+            <a:endParaRPr sz="2400"/>
           </a:p>
           <a:p>
             <a:pPr lvl="0">
@@ -3021,11 +3081,7 @@
               </a:rPr>
               <a:t>Zijun Xue</a:t>
             </a:r>
-            <a:endParaRPr sz="2400">
-              <a:solidFill>
-                <a:srgbClr val="696464"/>
-              </a:solidFill>
-            </a:endParaRPr>
+            <a:endParaRPr sz="2400"/>
           </a:p>
           <a:p>
             <a:pPr lvl="0">
@@ -3059,8 +3115,8 @@
         </p:nvSpPr>
         <p:spPr>
           <a:xfrm>
-            <a:off x="457200" y="1505929"/>
-            <a:ext cx="8229600" cy="1470026"/>
+            <a:off x="457200" y="1505928"/>
+            <a:ext cx="8229600" cy="1470028"/>
           </a:xfrm>
           <a:prstGeom prst="rect">
             <a:avLst/>
@@ -3123,6 +3179,10 @@
           </p:nvPr>
         </p:nvSpPr>
         <p:spPr>
+          <a:xfrm>
+            <a:off x="914400" y="0"/>
+            <a:ext cx="7772400" cy="1417639"/>
+          </a:xfrm>
           <a:prstGeom prst="rect">
             <a:avLst/>
           </a:prstGeom>
@@ -3158,6 +3218,10 @@
           </p:nvPr>
         </p:nvSpPr>
         <p:spPr>
+          <a:xfrm>
+            <a:off x="269697" y="6339788"/>
+            <a:ext cx="210415" cy="198223"/>
+          </a:xfrm>
           <a:prstGeom prst="rect">
             <a:avLst/>
           </a:prstGeom>
@@ -3168,7 +3232,9 @@
           </a:extLst>
         </p:spPr>
         <p:txBody>
-          <a:bodyPr/>
+          <a:bodyPr wrap="square">
+            <a:normAutofit fontScale="100000" lnSpcReduction="0"/>
+          </a:bodyPr>
           <a:lstStyle/>
           <a:p>
             <a:pPr lvl="0">
@@ -3205,7 +3271,7 @@
           <a:bodyPr/>
           <a:lstStyle/>
           <a:p>
-            <a:pPr lvl="0">
+            <a:pPr lvl="0" marL="396240" indent="-396240">
               <a:defRPr sz="1800"/>
             </a:pPr>
             <a:r>
@@ -3215,7 +3281,7 @@
             <a:endParaRPr sz="2600"/>
           </a:p>
           <a:p>
-            <a:pPr lvl="0">
+            <a:pPr lvl="0" marL="396240" indent="-396240">
               <a:defRPr sz="1800"/>
             </a:pPr>
             <a:r>
@@ -3225,7 +3291,7 @@
             <a:endParaRPr sz="2600"/>
           </a:p>
           <a:p>
-            <a:pPr lvl="0">
+            <a:pPr lvl="0" marL="396240" indent="-396240">
               <a:defRPr sz="1800"/>
             </a:pPr>
             <a:r>
@@ -3237,7 +3303,7 @@
       </p:sp>
       <p:pic>
         <p:nvPicPr>
-          <p:cNvPr id="102" name="pasted-image.png"/>
+          <p:cNvPr id="102" name="image3.png"/>
           <p:cNvPicPr/>
           <p:nvPr/>
         </p:nvPicPr>
@@ -3264,7 +3330,7 @@
       </p:pic>
       <p:pic>
         <p:nvPicPr>
-          <p:cNvPr id="103" name="pasted-image.png"/>
+          <p:cNvPr id="103" name="image4.png"/>
           <p:cNvPicPr/>
           <p:nvPr/>
         </p:nvPicPr>
@@ -3278,8 +3344,8 @@
         </p:blipFill>
         <p:spPr>
           <a:xfrm>
-            <a:off x="622300" y="4258346"/>
-            <a:ext cx="1275500" cy="833982"/>
+            <a:off x="622300" y="4258345"/>
+            <a:ext cx="1275500" cy="833983"/>
           </a:xfrm>
           <a:prstGeom prst="rect">
             <a:avLst/>
@@ -3298,7 +3364,7 @@
         <p:spPr>
           <a:xfrm>
             <a:off x="5131444" y="1447800"/>
-            <a:ext cx="3727253" cy="5410200"/>
+            <a:ext cx="3727254" cy="5410200"/>
           </a:xfrm>
           <a:prstGeom prst="rect">
             <a:avLst/>
@@ -3313,12 +3379,12 @@
           </a:extLst>
         </p:spPr>
         <p:txBody>
-          <a:bodyPr lIns="45719" rIns="45719">
+          <a:bodyPr lIns="0" tIns="0" rIns="0" bIns="0">
             <a:normAutofit fontScale="100000" lnSpcReduction="0"/>
           </a:bodyPr>
           <a:lstStyle/>
           <a:p>
-            <a:pPr lvl="0" marL="274320" indent="-274320">
+            <a:pPr lvl="0" marL="396240" indent="-396240">
               <a:spcBef>
                 <a:spcPts val="500"/>
               </a:spcBef>
@@ -3330,13 +3396,23 @@
               <a:buChar char="●"/>
             </a:pPr>
             <a:r>
-              <a:rPr sz="2600"/>
+              <a:rPr sz="2600">
+                <a:latin typeface="Perpetua"/>
+                <a:ea typeface="Perpetua"/>
+                <a:cs typeface="Perpetua"/>
+                <a:sym typeface="Perpetua"/>
+              </a:rPr>
               <a:t>sim(ppl, people) = 27/30</a:t>
             </a:r>
-            <a:endParaRPr sz="2600"/>
-          </a:p>
-          <a:p>
-            <a:pPr lvl="0" marL="274320" indent="-274320">
+            <a:endParaRPr sz="2600">
+              <a:latin typeface="Perpetua"/>
+              <a:ea typeface="Perpetua"/>
+              <a:cs typeface="Perpetua"/>
+              <a:sym typeface="Perpetua"/>
+            </a:endParaRPr>
+          </a:p>
+          <a:p>
+            <a:pPr lvl="0" marL="396240" indent="-396240">
               <a:spcBef>
                 <a:spcPts val="500"/>
               </a:spcBef>
@@ -3348,13 +3424,23 @@
               <a:buChar char="●"/>
             </a:pPr>
             <a:r>
-              <a:rPr sz="2600"/>
+              <a:rPr sz="2600">
+                <a:latin typeface="Perpetua"/>
+                <a:ea typeface="Perpetua"/>
+                <a:cs typeface="Perpetua"/>
+                <a:sym typeface="Perpetua"/>
+              </a:rPr>
               <a:t>Filter out low similarity</a:t>
             </a:r>
-            <a:endParaRPr sz="2600"/>
-          </a:p>
-          <a:p>
-            <a:pPr lvl="0" marL="274320" indent="-274320">
+            <a:endParaRPr sz="2600">
+              <a:latin typeface="Perpetua"/>
+              <a:ea typeface="Perpetua"/>
+              <a:cs typeface="Perpetua"/>
+              <a:sym typeface="Perpetua"/>
+            </a:endParaRPr>
+          </a:p>
+          <a:p>
+            <a:pPr lvl="0" marL="396240" indent="-396240">
               <a:spcBef>
                 <a:spcPts val="500"/>
               </a:spcBef>
@@ -3366,7 +3452,12 @@
               <a:buChar char="●"/>
             </a:pPr>
             <a:r>
-              <a:rPr sz="2600"/>
+              <a:rPr sz="2600">
+                <a:latin typeface="Perpetua"/>
+                <a:ea typeface="Perpetua"/>
+                <a:cs typeface="Perpetua"/>
+                <a:sym typeface="Perpetua"/>
+              </a:rPr>
               <a:t>Multiply by sim</a:t>
             </a:r>
           </a:p>
@@ -3407,6 +3498,10 @@
           </p:nvPr>
         </p:nvSpPr>
         <p:spPr>
+          <a:xfrm>
+            <a:off x="914400" y="0"/>
+            <a:ext cx="7772400" cy="1417639"/>
+          </a:xfrm>
           <a:prstGeom prst="rect">
             <a:avLst/>
           </a:prstGeom>
@@ -3442,6 +3537,10 @@
           </p:nvPr>
         </p:nvSpPr>
         <p:spPr>
+          <a:xfrm>
+            <a:off x="269697" y="6339788"/>
+            <a:ext cx="210415" cy="198223"/>
+          </a:xfrm>
           <a:prstGeom prst="rect">
             <a:avLst/>
           </a:prstGeom>
@@ -3452,7 +3551,9 @@
           </a:extLst>
         </p:spPr>
         <p:txBody>
-          <a:bodyPr/>
+          <a:bodyPr wrap="square">
+            <a:normAutofit fontScale="100000" lnSpcReduction="0"/>
+          </a:bodyPr>
           <a:lstStyle/>
           <a:p>
             <a:pPr lvl="0">
@@ -3493,7 +3594,7 @@
           <a:bodyPr/>
           <a:lstStyle/>
           <a:p>
-            <a:pPr lvl="0">
+            <a:pPr lvl="0" marL="396240" indent="-396240">
               <a:defRPr sz="1800"/>
             </a:pPr>
             <a:r>
@@ -3531,7 +3632,7 @@
             <a:endParaRPr sz="2600"/>
           </a:p>
           <a:p>
-            <a:pPr lvl="0">
+            <a:pPr lvl="0" marL="396240" indent="-396240">
               <a:defRPr sz="1800"/>
             </a:pPr>
             <a:r>
@@ -3549,7 +3650,7 @@
             <a:endParaRPr sz="2600"/>
           </a:p>
           <a:p>
-            <a:pPr lvl="0">
+            <a:pPr lvl="0" marL="396240" indent="-396240">
               <a:defRPr sz="1800"/>
             </a:pPr>
             <a:r>
@@ -3559,7 +3660,7 @@
             <a:endParaRPr sz="2600"/>
           </a:p>
           <a:p>
-            <a:pPr lvl="0">
+            <a:pPr lvl="0" marL="396240" indent="-396240">
               <a:defRPr sz="1800"/>
             </a:pPr>
             <a:r>
@@ -3571,7 +3672,7 @@
       </p:sp>
       <p:pic>
         <p:nvPicPr>
-          <p:cNvPr id="109" name="pasted-image.png"/>
+          <p:cNvPr id="109" name="image5.png"/>
           <p:cNvPicPr/>
           <p:nvPr/>
         </p:nvPicPr>
@@ -3585,8 +3686,8 @@
         </p:blipFill>
         <p:spPr>
           <a:xfrm>
-            <a:off x="2234751" y="2336800"/>
-            <a:ext cx="4420498" cy="774908"/>
+            <a:off x="2234750" y="2336800"/>
+            <a:ext cx="4420500" cy="774908"/>
           </a:xfrm>
           <a:prstGeom prst="rect">
             <a:avLst/>
@@ -3598,7 +3699,7 @@
       </p:pic>
       <p:pic>
         <p:nvPicPr>
-          <p:cNvPr id="110" name="pasted-image.png"/>
+          <p:cNvPr id="110" name="image6.png"/>
           <p:cNvPicPr/>
           <p:nvPr/>
         </p:nvPicPr>
@@ -3658,6 +3759,10 @@
           </p:nvPr>
         </p:nvSpPr>
         <p:spPr>
+          <a:xfrm>
+            <a:off x="914400" y="0"/>
+            <a:ext cx="7772400" cy="1417639"/>
+          </a:xfrm>
           <a:prstGeom prst="rect">
             <a:avLst/>
           </a:prstGeom>
@@ -3693,6 +3798,10 @@
           </p:nvPr>
         </p:nvSpPr>
         <p:spPr>
+          <a:xfrm>
+            <a:off x="269697" y="6339788"/>
+            <a:ext cx="210415" cy="198223"/>
+          </a:xfrm>
           <a:prstGeom prst="rect">
             <a:avLst/>
           </a:prstGeom>
@@ -3703,7 +3812,9 @@
           </a:extLst>
         </p:spPr>
         <p:txBody>
-          <a:bodyPr/>
+          <a:bodyPr wrap="square">
+            <a:normAutofit fontScale="100000" lnSpcReduction="0"/>
+          </a:bodyPr>
           <a:lstStyle/>
           <a:p>
             <a:pPr lvl="0">
@@ -3740,7 +3851,7 @@
           <a:bodyPr/>
           <a:lstStyle/>
           <a:p>
-            <a:pPr lvl="0">
+            <a:pPr lvl="0" marL="396240" indent="-396240">
               <a:defRPr sz="1800"/>
             </a:pPr>
             <a:r>
@@ -3750,7 +3861,7 @@
             <a:endParaRPr sz="2600"/>
           </a:p>
           <a:p>
-            <a:pPr lvl="0">
+            <a:pPr lvl="0" marL="396240" indent="-396240">
               <a:defRPr sz="1800"/>
             </a:pPr>
             <a:r>
@@ -3760,7 +3871,7 @@
             <a:endParaRPr sz="2600"/>
           </a:p>
           <a:p>
-            <a:pPr lvl="0">
+            <a:pPr lvl="0" marL="396240" indent="-396240">
               <a:defRPr sz="1800"/>
             </a:pPr>
             <a:r>
@@ -3770,7 +3881,7 @@
             <a:endParaRPr sz="2600"/>
           </a:p>
           <a:p>
-            <a:pPr lvl="0">
+            <a:pPr lvl="0" marL="396240" indent="-396240">
               <a:defRPr sz="1800"/>
             </a:pPr>
             <a:r>
@@ -3780,7 +3891,7 @@
             <a:endParaRPr sz="2600"/>
           </a:p>
           <a:p>
-            <a:pPr lvl="1" marL="594360" indent="-274320">
+            <a:pPr lvl="1" marL="716280" indent="-396240">
               <a:defRPr sz="1800"/>
             </a:pPr>
             <a:r>
@@ -3825,6 +3936,10 @@
           </p:nvPr>
         </p:nvSpPr>
         <p:spPr>
+          <a:xfrm>
+            <a:off x="914400" y="0"/>
+            <a:ext cx="7772400" cy="1417639"/>
+          </a:xfrm>
           <a:prstGeom prst="rect">
             <a:avLst/>
           </a:prstGeom>
@@ -3860,6 +3975,10 @@
           </p:nvPr>
         </p:nvSpPr>
         <p:spPr>
+          <a:xfrm>
+            <a:off x="269697" y="6339788"/>
+            <a:ext cx="210415" cy="198223"/>
+          </a:xfrm>
           <a:prstGeom prst="rect">
             <a:avLst/>
           </a:prstGeom>
@@ -3870,7 +3989,9 @@
           </a:extLst>
         </p:spPr>
         <p:txBody>
-          <a:bodyPr/>
+          <a:bodyPr wrap="square">
+            <a:normAutofit fontScale="100000" lnSpcReduction="0"/>
+          </a:bodyPr>
           <a:lstStyle/>
           <a:p>
             <a:pPr lvl="0">
@@ -3907,7 +4028,7 @@
           <a:bodyPr/>
           <a:lstStyle/>
           <a:p>
-            <a:pPr lvl="0">
+            <a:pPr lvl="0" marL="396240" indent="-396240">
               <a:defRPr sz="1800"/>
             </a:pPr>
             <a:r>
@@ -3917,7 +4038,7 @@
             <a:endParaRPr sz="2600"/>
           </a:p>
           <a:p>
-            <a:pPr lvl="1" marL="594360" indent="-274320">
+            <a:pPr lvl="1" marL="716280" indent="-396240">
               <a:defRPr sz="1800"/>
             </a:pPr>
             <a:r>
@@ -3927,7 +4048,7 @@
             <a:endParaRPr sz="2600"/>
           </a:p>
           <a:p>
-            <a:pPr lvl="1" marL="594360" indent="-274320">
+            <a:pPr lvl="1" marL="716280" indent="-396240">
               <a:defRPr sz="1800"/>
             </a:pPr>
             <a:r>
@@ -3937,7 +4058,7 @@
             <a:endParaRPr sz="2600"/>
           </a:p>
           <a:p>
-            <a:pPr lvl="1" marL="594360" indent="-274320">
+            <a:pPr lvl="1" marL="716280" indent="-396240">
               <a:defRPr sz="1800"/>
             </a:pPr>
             <a:r>
@@ -3947,7 +4068,7 @@
             <a:endParaRPr sz="2600"/>
           </a:p>
           <a:p>
-            <a:pPr lvl="0">
+            <a:pPr lvl="0" marL="396240" indent="-396240">
               <a:defRPr sz="1800"/>
             </a:pPr>
             <a:r>
@@ -3973,8 +4094,8 @@
         </p:blipFill>
         <p:spPr>
           <a:xfrm>
-            <a:off x="228600" y="3844450"/>
-            <a:ext cx="9144000" cy="2318700"/>
+            <a:off x="228600" y="3659563"/>
+            <a:ext cx="9144000" cy="2663074"/>
           </a:xfrm>
           <a:prstGeom prst="rect">
             <a:avLst/>
@@ -4019,6 +4140,10 @@
           </p:nvPr>
         </p:nvSpPr>
         <p:spPr>
+          <a:xfrm>
+            <a:off x="914400" y="0"/>
+            <a:ext cx="7772400" cy="1417639"/>
+          </a:xfrm>
           <a:prstGeom prst="rect">
             <a:avLst/>
           </a:prstGeom>
@@ -4054,6 +4179,10 @@
           </p:nvPr>
         </p:nvSpPr>
         <p:spPr>
+          <a:xfrm>
+            <a:off x="269697" y="6339788"/>
+            <a:ext cx="210415" cy="198223"/>
+          </a:xfrm>
           <a:prstGeom prst="rect">
             <a:avLst/>
           </a:prstGeom>
@@ -4064,7 +4193,9 @@
           </a:extLst>
         </p:spPr>
         <p:txBody>
-          <a:bodyPr/>
+          <a:bodyPr wrap="square">
+            <a:normAutofit fontScale="100000" lnSpcReduction="0"/>
+          </a:bodyPr>
           <a:lstStyle/>
           <a:p>
             <a:pPr lvl="0">
@@ -4140,6 +4271,10 @@
           </p:nvPr>
         </p:nvSpPr>
         <p:spPr>
+          <a:xfrm>
+            <a:off x="914400" y="0"/>
+            <a:ext cx="7772400" cy="1417639"/>
+          </a:xfrm>
           <a:prstGeom prst="rect">
             <a:avLst/>
           </a:prstGeom>
@@ -4175,6 +4310,10 @@
           </p:nvPr>
         </p:nvSpPr>
         <p:spPr>
+          <a:xfrm>
+            <a:off x="269697" y="6339788"/>
+            <a:ext cx="210415" cy="198223"/>
+          </a:xfrm>
           <a:prstGeom prst="rect">
             <a:avLst/>
           </a:prstGeom>
@@ -4185,7 +4324,9 @@
           </a:extLst>
         </p:spPr>
         <p:txBody>
-          <a:bodyPr/>
+          <a:bodyPr wrap="square">
+            <a:normAutofit fontScale="100000" lnSpcReduction="0"/>
+          </a:bodyPr>
           <a:lstStyle/>
           <a:p>
             <a:pPr lvl="0">
@@ -4222,7 +4363,7 @@
           <a:bodyPr/>
           <a:lstStyle/>
           <a:p>
-            <a:pPr lvl="0">
+            <a:pPr lvl="0" marL="396240" indent="-396240">
               <a:defRPr sz="1800"/>
             </a:pPr>
             <a:r>
@@ -4232,7 +4373,7 @@
             <a:endParaRPr sz="2600"/>
           </a:p>
           <a:p>
-            <a:pPr lvl="0">
+            <a:pPr lvl="0" marL="396240" indent="-396240">
               <a:defRPr sz="1800"/>
             </a:pPr>
             <a:r>
@@ -4242,7 +4383,7 @@
             <a:endParaRPr sz="2600"/>
           </a:p>
           <a:p>
-            <a:pPr lvl="0">
+            <a:pPr lvl="0" marL="396240" indent="-396240">
               <a:defRPr sz="1800"/>
             </a:pPr>
             <a:r>
@@ -4252,7 +4393,7 @@
             <a:endParaRPr sz="2600"/>
           </a:p>
           <a:p>
-            <a:pPr lvl="0">
+            <a:pPr lvl="0" marL="396240" indent="-396240">
               <a:defRPr sz="1800"/>
             </a:pPr>
             <a:r>
@@ -4262,7 +4403,7 @@
             <a:endParaRPr sz="2600"/>
           </a:p>
           <a:p>
-            <a:pPr lvl="0">
+            <a:pPr lvl="0" marL="396240" indent="-396240">
               <a:defRPr sz="1800"/>
             </a:pPr>
             <a:r>
@@ -4272,7 +4413,7 @@
             <a:endParaRPr sz="2600"/>
           </a:p>
           <a:p>
-            <a:pPr lvl="0">
+            <a:pPr lvl="0" marL="396240" indent="-396240">
               <a:defRPr sz="1800"/>
             </a:pPr>
             <a:r>
@@ -4282,7 +4423,7 @@
             <a:endParaRPr sz="2600"/>
           </a:p>
           <a:p>
-            <a:pPr lvl="0">
+            <a:pPr lvl="0" marL="396240" indent="-396240">
               <a:defRPr sz="1800"/>
             </a:pPr>
             <a:r>
@@ -4327,6 +4468,10 @@
           </p:nvPr>
         </p:nvSpPr>
         <p:spPr>
+          <a:xfrm>
+            <a:off x="914400" y="0"/>
+            <a:ext cx="7772400" cy="1417639"/>
+          </a:xfrm>
           <a:prstGeom prst="rect">
             <a:avLst/>
           </a:prstGeom>
@@ -4363,8 +4508,8 @@
         </p:nvSpPr>
         <p:spPr>
           <a:xfrm>
-            <a:off x="311404" y="6339789"/>
-            <a:ext cx="127001" cy="198222"/>
+            <a:off x="311404" y="6339788"/>
+            <a:ext cx="127002" cy="198223"/>
           </a:xfrm>
           <a:prstGeom prst="rect">
             <a:avLst/>
@@ -4376,7 +4521,9 @@
           </a:extLst>
         </p:spPr>
         <p:txBody>
-          <a:bodyPr/>
+          <a:bodyPr wrap="square">
+            <a:normAutofit fontScale="100000" lnSpcReduction="0"/>
+          </a:bodyPr>
           <a:lstStyle/>
           <a:p>
             <a:pPr lvl="0">
@@ -4413,7 +4560,7 @@
           <a:bodyPr/>
           <a:lstStyle/>
           <a:p>
-            <a:pPr lvl="0">
+            <a:pPr lvl="0" marL="396240" indent="-396240">
               <a:defRPr sz="1800"/>
             </a:pPr>
             <a:r>
@@ -4423,7 +4570,7 @@
             <a:endParaRPr sz="2600"/>
           </a:p>
           <a:p>
-            <a:pPr lvl="1" marL="594360" indent="-274320">
+            <a:pPr lvl="1" marL="716280" indent="-396240">
               <a:defRPr sz="1800"/>
             </a:pPr>
             <a:r>
@@ -4433,7 +4580,7 @@
             <a:endParaRPr sz="2600"/>
           </a:p>
           <a:p>
-            <a:pPr lvl="1" marL="594360" indent="-274320">
+            <a:pPr lvl="1" marL="716280" indent="-396240">
               <a:defRPr sz="1800"/>
             </a:pPr>
             <a:r>
@@ -4443,7 +4590,7 @@
             <a:endParaRPr sz="2600"/>
           </a:p>
           <a:p>
-            <a:pPr lvl="1" marL="594360" indent="-274320">
+            <a:pPr lvl="1" marL="716280" indent="-396240">
               <a:defRPr sz="1800"/>
             </a:pPr>
             <a:r>
@@ -4453,7 +4600,7 @@
             <a:endParaRPr sz="2600"/>
           </a:p>
           <a:p>
-            <a:pPr lvl="0">
+            <a:pPr lvl="0" marL="396240" indent="-396240">
               <a:defRPr sz="1800"/>
             </a:pPr>
             <a:r>
@@ -4498,6 +4645,10 @@
           </p:nvPr>
         </p:nvSpPr>
         <p:spPr>
+          <a:xfrm>
+            <a:off x="914400" y="0"/>
+            <a:ext cx="7772400" cy="1417639"/>
+          </a:xfrm>
           <a:prstGeom prst="rect">
             <a:avLst/>
           </a:prstGeom>
@@ -4534,8 +4685,8 @@
         </p:nvSpPr>
         <p:spPr>
           <a:xfrm>
-            <a:off x="311404" y="6339789"/>
-            <a:ext cx="127001" cy="198222"/>
+            <a:off x="311404" y="6339788"/>
+            <a:ext cx="127002" cy="198223"/>
           </a:xfrm>
           <a:prstGeom prst="rect">
             <a:avLst/>
@@ -4547,7 +4698,9 @@
           </a:extLst>
         </p:spPr>
         <p:txBody>
-          <a:bodyPr/>
+          <a:bodyPr wrap="square">
+            <a:normAutofit fontScale="100000" lnSpcReduction="0"/>
+          </a:bodyPr>
           <a:lstStyle/>
           <a:p>
             <a:pPr lvl="0">
@@ -4584,7 +4737,7 @@
           <a:bodyPr/>
           <a:lstStyle/>
           <a:p>
-            <a:pPr lvl="0">
+            <a:pPr lvl="0" marL="396240" indent="-396240">
               <a:defRPr sz="1800"/>
             </a:pPr>
             <a:r>
@@ -4594,7 +4747,7 @@
             <a:endParaRPr sz="2600"/>
           </a:p>
           <a:p>
-            <a:pPr lvl="0">
+            <a:pPr lvl="0" marL="396240" indent="-396240">
               <a:defRPr sz="1800"/>
             </a:pPr>
             <a:r>
@@ -4604,7 +4757,7 @@
             <a:endParaRPr sz="2600"/>
           </a:p>
           <a:p>
-            <a:pPr lvl="0">
+            <a:pPr lvl="0" marL="396240" indent="-396240">
               <a:defRPr sz="1800"/>
             </a:pPr>
             <a:r>
@@ -4614,7 +4767,7 @@
             <a:endParaRPr sz="2600"/>
           </a:p>
           <a:p>
-            <a:pPr lvl="1" marL="594360" indent="-274320">
+            <a:pPr lvl="1" marL="716280" indent="-396240">
               <a:defRPr sz="1800"/>
             </a:pPr>
             <a:r>
@@ -4624,7 +4777,7 @@
             <a:endParaRPr sz="2600"/>
           </a:p>
           <a:p>
-            <a:pPr lvl="1" marL="594360" indent="-274320">
+            <a:pPr lvl="1" marL="716280" indent="-396240">
               <a:defRPr sz="1800"/>
             </a:pPr>
             <a:r>
@@ -4634,7 +4787,7 @@
             <a:endParaRPr sz="2600"/>
           </a:p>
           <a:p>
-            <a:pPr lvl="1" marL="594360" indent="-274320">
+            <a:pPr lvl="1" marL="716280" indent="-396240">
               <a:defRPr sz="1800"/>
             </a:pPr>
             <a:r>
@@ -4644,7 +4797,7 @@
             <a:endParaRPr sz="2600"/>
           </a:p>
           <a:p>
-            <a:pPr lvl="0">
+            <a:pPr lvl="0" marL="396240" indent="-396240">
               <a:defRPr sz="1800"/>
             </a:pPr>
             <a:r>
@@ -4654,7 +4807,7 @@
             <a:endParaRPr sz="2600"/>
           </a:p>
           <a:p>
-            <a:pPr lvl="0">
+            <a:pPr lvl="0" marL="396240" indent="-396240">
               <a:defRPr sz="1800"/>
             </a:pPr>
             <a:r>
@@ -4664,7 +4817,7 @@
             <a:endParaRPr sz="2600"/>
           </a:p>
           <a:p>
-            <a:pPr lvl="0">
+            <a:pPr lvl="0" marL="396240" indent="-396240">
               <a:defRPr sz="1800"/>
             </a:pPr>
             <a:r>
@@ -4674,7 +4827,7 @@
             <a:endParaRPr sz="2600"/>
           </a:p>
           <a:p>
-            <a:pPr lvl="0">
+            <a:pPr lvl="0" marL="396240" indent="-396240">
               <a:defRPr sz="1800"/>
             </a:pPr>
             <a:r>
@@ -4719,6 +4872,10 @@
           </p:nvPr>
         </p:nvSpPr>
         <p:spPr>
+          <a:xfrm>
+            <a:off x="914400" y="0"/>
+            <a:ext cx="7772400" cy="1417639"/>
+          </a:xfrm>
           <a:prstGeom prst="rect">
             <a:avLst/>
           </a:prstGeom>
@@ -4755,8 +4912,8 @@
         </p:nvSpPr>
         <p:spPr>
           <a:xfrm>
-            <a:off x="311404" y="6339789"/>
-            <a:ext cx="127001" cy="198222"/>
+            <a:off x="311404" y="6339788"/>
+            <a:ext cx="127002" cy="198223"/>
           </a:xfrm>
           <a:prstGeom prst="rect">
             <a:avLst/>
@@ -4768,7 +4925,9 @@
           </a:extLst>
         </p:spPr>
         <p:txBody>
-          <a:bodyPr/>
+          <a:bodyPr wrap="square">
+            <a:normAutofit fontScale="100000" lnSpcReduction="0"/>
+          </a:bodyPr>
           <a:lstStyle/>
           <a:p>
             <a:pPr lvl="0">
@@ -4805,7 +4964,7 @@
           <a:bodyPr/>
           <a:lstStyle/>
           <a:p>
-            <a:pPr lvl="0">
+            <a:pPr lvl="0" marL="396240" indent="-396240">
               <a:defRPr sz="1800"/>
             </a:pPr>
             <a:r>
@@ -4815,7 +4974,7 @@
             <a:endParaRPr sz="2600"/>
           </a:p>
           <a:p>
-            <a:pPr lvl="0">
+            <a:pPr lvl="0" marL="396240" indent="-396240">
               <a:defRPr sz="1800"/>
             </a:pPr>
             <a:r>
@@ -4825,7 +4984,7 @@
             <a:endParaRPr sz="2600"/>
           </a:p>
           <a:p>
-            <a:pPr lvl="1" marL="594360" indent="-274320">
+            <a:pPr lvl="1" marL="716280" indent="-396240">
               <a:defRPr sz="1800"/>
             </a:pPr>
             <a:r>
@@ -4835,7 +4994,7 @@
             <a:endParaRPr sz="2600"/>
           </a:p>
           <a:p>
-            <a:pPr lvl="1" marL="594360" indent="-274320">
+            <a:pPr lvl="1" marL="716280" indent="-396240">
               <a:defRPr sz="1800"/>
             </a:pPr>
             <a:r>
@@ -4845,7 +5004,7 @@
             <a:endParaRPr sz="2600"/>
           </a:p>
           <a:p>
-            <a:pPr lvl="1" marL="594360" indent="-274320">
+            <a:pPr lvl="1" marL="716280" indent="-396240">
               <a:defRPr sz="1800"/>
             </a:pPr>
             <a:r>
@@ -4855,7 +5014,7 @@
             <a:endParaRPr sz="2600"/>
           </a:p>
           <a:p>
-            <a:pPr lvl="1" marL="594360" indent="-274320">
+            <a:pPr lvl="1" marL="716280" indent="-396240">
               <a:defRPr sz="1800"/>
             </a:pPr>
             <a:r>
@@ -4865,7 +5024,7 @@
             <a:endParaRPr sz="2600"/>
           </a:p>
           <a:p>
-            <a:pPr lvl="0">
+            <a:pPr lvl="0" marL="396240" indent="-396240">
               <a:defRPr sz="1800"/>
             </a:pPr>
             <a:r>
@@ -4910,6 +5069,10 @@
           </p:nvPr>
         </p:nvSpPr>
         <p:spPr>
+          <a:xfrm>
+            <a:off x="914400" y="0"/>
+            <a:ext cx="7772400" cy="1417639"/>
+          </a:xfrm>
           <a:prstGeom prst="rect">
             <a:avLst/>
           </a:prstGeom>
@@ -4946,8 +5109,8 @@
         </p:nvSpPr>
         <p:spPr>
           <a:xfrm>
-            <a:off x="311404" y="6339789"/>
-            <a:ext cx="127001" cy="198222"/>
+            <a:off x="311404" y="6339788"/>
+            <a:ext cx="127002" cy="198223"/>
           </a:xfrm>
           <a:prstGeom prst="rect">
             <a:avLst/>
@@ -4959,7 +5122,9 @@
           </a:extLst>
         </p:spPr>
         <p:txBody>
-          <a:bodyPr/>
+          <a:bodyPr wrap="square">
+            <a:normAutofit fontScale="100000" lnSpcReduction="0"/>
+          </a:bodyPr>
           <a:lstStyle/>
           <a:p>
             <a:pPr lvl="0">
@@ -5086,7 +5251,7 @@
           <a:bodyPr/>
           <a:lstStyle/>
           <a:p>
-            <a:pPr lvl="0">
+            <a:pPr lvl="0" marL="396240" indent="-396240">
               <a:defRPr sz="1800"/>
             </a:pPr>
             <a:r>
@@ -5096,7 +5261,7 @@
             <a:endParaRPr sz="2600"/>
           </a:p>
           <a:p>
-            <a:pPr lvl="2" marL="822960" indent="-228600">
+            <a:pPr lvl="2" marL="848360" indent="-254000">
               <a:spcBef>
                 <a:spcPts val="300"/>
               </a:spcBef>
@@ -5107,20 +5272,12 @@
             </a:pPr>
             <a:r>
               <a:rPr sz="2000"/>
-              <a:t>–</a:t>
-            </a:r>
-            <a:r>
-              <a:rPr sz="2000"/>
-              <a:t> </a:t>
-            </a:r>
-            <a:r>
-              <a:rPr sz="2000"/>
-              <a:t>Example: Hermann and Herman </a:t>
+              <a:t>– Example: Hermann and Herman </a:t>
             </a:r>
             <a:endParaRPr sz="2000"/>
           </a:p>
           <a:p>
-            <a:pPr lvl="0">
+            <a:pPr lvl="0" marL="396240" indent="-396240">
               <a:defRPr sz="1800"/>
             </a:pPr>
             <a:r>
@@ -5130,7 +5287,7 @@
             <a:endParaRPr sz="2600"/>
           </a:p>
           <a:p>
-            <a:pPr lvl="2" marL="822960" indent="-228600">
+            <a:pPr lvl="2" marL="848360" indent="-254000">
               <a:spcBef>
                 <a:spcPts val="300"/>
               </a:spcBef>
@@ -5146,7 +5303,7 @@
             <a:endParaRPr sz="2000"/>
           </a:p>
           <a:p>
-            <a:pPr lvl="0">
+            <a:pPr lvl="0" marL="396240" indent="-396240">
               <a:defRPr sz="1800"/>
             </a:pPr>
             <a:r>
@@ -5156,7 +5313,7 @@
             <a:endParaRPr sz="2600"/>
           </a:p>
           <a:p>
-            <a:pPr lvl="2" marL="822960" indent="-228600">
+            <a:pPr lvl="2" marL="848360" indent="-254000">
               <a:spcBef>
                 <a:spcPts val="300"/>
               </a:spcBef>
@@ -5172,7 +5329,7 @@
             <a:endParaRPr sz="2000"/>
           </a:p>
           <a:p>
-            <a:pPr lvl="2" marL="822960" indent="-228600">
+            <a:pPr lvl="2" marL="848360" indent="-254000">
               <a:spcBef>
                 <a:spcPts val="300"/>
               </a:spcBef>
@@ -5188,7 +5345,7 @@
             <a:endParaRPr sz="2000"/>
           </a:p>
           <a:p>
-            <a:pPr lvl="2" marL="822960" indent="-228600">
+            <a:pPr lvl="2" marL="848360" indent="-254000">
               <a:spcBef>
                 <a:spcPts val="300"/>
               </a:spcBef>
@@ -5290,7 +5447,7 @@
           <a:bodyPr/>
           <a:lstStyle/>
           <a:p>
-            <a:pPr lvl="0">
+            <a:pPr lvl="0" marL="365760" indent="-365760">
               <a:lnSpc>
                 <a:spcPct val="80000"/>
               </a:lnSpc>
@@ -5303,7 +5460,7 @@
             <a:endParaRPr sz="2400"/>
           </a:p>
           <a:p>
-            <a:pPr lvl="1" marL="548640" indent="-228600">
+            <a:pPr lvl="1" marL="599440" indent="-279400">
               <a:lnSpc>
                 <a:spcPct val="80000"/>
               </a:lnSpc>
@@ -5317,16 +5474,12 @@
             </a:pPr>
             <a:r>
               <a:rPr sz="2200"/>
-              <a:t> </a:t>
-            </a:r>
-            <a:r>
-              <a:rPr sz="2200"/>
-              <a:t>Vowels are viewed as interchangeable in transcribing  names </a:t>
+              <a:t> Vowels are viewed as interchangeable in transcribing  names </a:t>
             </a:r>
             <a:endParaRPr sz="2200"/>
           </a:p>
           <a:p>
-            <a:pPr lvl="1" marL="548640" indent="-228600">
+            <a:pPr lvl="1" marL="599440" indent="-279400">
               <a:lnSpc>
                 <a:spcPct val="80000"/>
               </a:lnSpc>
@@ -5345,7 +5498,7 @@
             <a:endParaRPr sz="2200"/>
           </a:p>
           <a:p>
-            <a:pPr lvl="1" marL="274320" indent="-274320">
+            <a:pPr lvl="1" marL="335280" indent="-335280">
               <a:lnSpc>
                 <a:spcPct val="80000"/>
               </a:lnSpc>
@@ -5374,22 +5527,11 @@
                 <a:spcPct val="80000"/>
               </a:lnSpc>
               <a:buFontTx/>
-              <a:defRPr sz="1800"/>
-            </a:pPr>
-            <a:r>
-              <a:t>Example: Hermann </a:t>
-            </a:r>
-            <a:r>
-              <a:t>：</a:t>
-            </a:r>
-            <a:r>
-              <a:t> H655, Herman </a:t>
-            </a:r>
-            <a:r>
-              <a:t>：</a:t>
-            </a:r>
-            <a:r>
-              <a:t> H655, matched! </a:t>
+              <a:buChar char="o"/>
+              <a:defRPr sz="1800"/>
+            </a:pPr>
+            <a:r>
+              <a:t>Example: Hermann ： H655, Herman ： H655, matched! </a:t>
             </a:r>
           </a:p>
           <a:p>
@@ -5402,7 +5544,7 @@
             <a:endParaRPr sz="2200"/>
           </a:p>
           <a:p>
-            <a:pPr lvl="1" marL="274320" indent="-274320">
+            <a:pPr lvl="1" marL="335280" indent="-335280">
               <a:lnSpc>
                 <a:spcPct val="80000"/>
               </a:lnSpc>
@@ -5524,7 +5666,7 @@
           <a:bodyPr/>
           <a:lstStyle/>
           <a:p>
-            <a:pPr lvl="0">
+            <a:pPr lvl="0" marL="396240" indent="-396240">
               <a:defRPr sz="1800"/>
             </a:pPr>
             <a:r>
@@ -5534,7 +5676,7 @@
             <a:endParaRPr sz="2600"/>
           </a:p>
           <a:p>
-            <a:pPr lvl="1" marL="548640" indent="-228600">
+            <a:pPr lvl="1" marL="624840" indent="-304800">
               <a:spcBef>
                 <a:spcPts val="300"/>
               </a:spcBef>
@@ -5545,11 +5687,7 @@
             </a:pPr>
             <a:r>
               <a:rPr sz="2400"/>
-              <a:t> </a:t>
-            </a:r>
-            <a:r>
-              <a:rPr sz="2400"/>
-              <a:t>It fundamentally improves on the </a:t>
+              <a:t> It fundamentally improves on the </a:t>
             </a:r>
             <a:r>
               <a:rPr sz="2400">
@@ -5564,7 +5702,7 @@
             <a:endParaRPr sz="2400"/>
           </a:p>
           <a:p>
-            <a:pPr lvl="1" marL="548640" indent="-228600">
+            <a:pPr lvl="1" marL="624840" indent="-304800">
               <a:spcBef>
                 <a:spcPts val="300"/>
               </a:spcBef>
@@ -5596,7 +5734,7 @@
             <a:endParaRPr sz="2400"/>
           </a:p>
           <a:p>
-            <a:pPr lvl="1" marL="274320" indent="-274320">
+            <a:pPr lvl="1" marL="365760" indent="-365760">
               <a:defRPr sz="1800"/>
             </a:pPr>
             <a:r>
@@ -5606,7 +5744,7 @@
             <a:endParaRPr sz="2400"/>
           </a:p>
           <a:p>
-            <a:pPr lvl="2" marL="548640" indent="-274320">
+            <a:pPr lvl="2" marL="579119" indent="-304799">
               <a:defRPr sz="1800"/>
             </a:pPr>
             <a:r>
@@ -5616,7 +5754,7 @@
             <a:endParaRPr sz="2000"/>
           </a:p>
           <a:p>
-            <a:pPr lvl="2" marL="548640" indent="-274320">
+            <a:pPr lvl="2" marL="579119" indent="-304799">
               <a:defRPr sz="1800"/>
             </a:pPr>
             <a:r>
@@ -5661,6 +5799,10 @@
           </p:nvPr>
         </p:nvSpPr>
         <p:spPr>
+          <a:xfrm>
+            <a:off x="914400" y="0"/>
+            <a:ext cx="7772400" cy="1417639"/>
+          </a:xfrm>
           <a:prstGeom prst="rect">
             <a:avLst/>
           </a:prstGeom>
@@ -5697,8 +5839,8 @@
         </p:nvSpPr>
         <p:spPr>
           <a:xfrm>
-            <a:off x="311404" y="6339789"/>
-            <a:ext cx="127001" cy="198222"/>
+            <a:off x="311404" y="6339788"/>
+            <a:ext cx="127002" cy="198223"/>
           </a:xfrm>
           <a:prstGeom prst="rect">
             <a:avLst/>
@@ -5710,7 +5852,9 @@
           </a:extLst>
         </p:spPr>
         <p:txBody>
-          <a:bodyPr/>
+          <a:bodyPr wrap="square">
+            <a:normAutofit fontScale="100000" lnSpcReduction="0"/>
+          </a:bodyPr>
           <a:lstStyle/>
           <a:p>
             <a:pPr lvl="0">
@@ -5741,7 +5885,7 @@
         <p:spPr>
           <a:xfrm>
             <a:off x="808880" y="1447799"/>
-            <a:ext cx="7877920" cy="4782941"/>
+            <a:ext cx="7877920" cy="4782942"/>
           </a:xfrm>
           <a:prstGeom prst="rect">
             <a:avLst/>
@@ -5751,65 +5895,65 @@
           <a:bodyPr/>
           <a:lstStyle/>
           <a:p>
+            <a:pPr lvl="0" marL="396240" indent="-396240">
+              <a:defRPr sz="1800"/>
+            </a:pPr>
+            <a:r>
+              <a:rPr sz="2600"/>
+              <a:t>Dynamic programming algorithm</a:t>
+            </a:r>
+            <a:endParaRPr sz="2600"/>
+          </a:p>
+          <a:p>
+            <a:pPr lvl="0" marL="396240" indent="-396240">
+              <a:defRPr sz="1800"/>
+            </a:pPr>
+            <a:r>
+              <a:rPr sz="2600"/>
+              <a:t>Finds the most probable path in a hidden Markov model</a:t>
+            </a:r>
+            <a:endParaRPr sz="2600"/>
+          </a:p>
+          <a:p>
+            <a:pPr lvl="0" marL="396240" indent="-396240">
+              <a:defRPr sz="1800"/>
+            </a:pPr>
+            <a:r>
+              <a:rPr sz="2600"/>
+              <a:t>Used in DNA sequence alignment </a:t>
+            </a:r>
+            <a:endParaRPr sz="2600"/>
+          </a:p>
+          <a:p>
+            <a:pPr lvl="0" marL="396240" indent="-396240">
+              <a:defRPr sz="1800"/>
+            </a:pPr>
+            <a:r>
+              <a:rPr sz="2600"/>
+              <a:t>Define a matrix V and populate:</a:t>
+            </a:r>
+            <a:endParaRPr sz="2600"/>
+          </a:p>
+          <a:p>
             <a:pPr lvl="0">
               <a:defRPr sz="1800"/>
             </a:pPr>
-            <a:r>
-              <a:rPr sz="2600"/>
-              <a:t>Dynamic programming algorithm</a:t>
-            </a:r>
             <a:endParaRPr sz="2600"/>
           </a:p>
           <a:p>
             <a:pPr lvl="0">
               <a:defRPr sz="1800"/>
             </a:pPr>
-            <a:r>
-              <a:rPr sz="2600"/>
-              <a:t>Finds the most probable path in a hidden Markov model</a:t>
-            </a:r>
             <a:endParaRPr sz="2600"/>
           </a:p>
           <a:p>
             <a:pPr lvl="0">
               <a:defRPr sz="1800"/>
             </a:pPr>
-            <a:r>
-              <a:rPr sz="2600"/>
-              <a:t>Used in DNA sequence alignment </a:t>
-            </a:r>
             <a:endParaRPr sz="2600"/>
           </a:p>
           <a:p>
-            <a:pPr lvl="0">
-              <a:defRPr sz="1800"/>
-            </a:pPr>
-            <a:r>
-              <a:rPr sz="2600"/>
-              <a:t>Define a matrix V and populate:</a:t>
-            </a:r>
-            <a:endParaRPr sz="2600"/>
-          </a:p>
-          <a:p>
-            <a:pPr lvl="0">
-              <a:defRPr sz="1800"/>
-            </a:pPr>
-            <a:endParaRPr sz="2600"/>
-          </a:p>
-          <a:p>
-            <a:pPr lvl="0">
-              <a:defRPr sz="1800"/>
-            </a:pPr>
-            <a:endParaRPr sz="2600"/>
-          </a:p>
-          <a:p>
-            <a:pPr lvl="0">
-              <a:defRPr sz="1800"/>
-            </a:pPr>
-            <a:endParaRPr sz="2600"/>
-          </a:p>
-          <a:p>
-            <a:pPr lvl="0">
+            <a:pPr lvl="0" marL="396240" indent="-396240">
               <a:defRPr sz="1800"/>
             </a:pPr>
             <a:r>
@@ -5821,7 +5965,7 @@
       </p:sp>
       <p:pic>
         <p:nvPicPr>
-          <p:cNvPr id="97" name="pasted-image.png"/>
+          <p:cNvPr id="97" name="image2.png"/>
           <p:cNvPicPr/>
           <p:nvPr/>
         </p:nvPicPr>
@@ -5836,7 +5980,7 @@
         <p:spPr>
           <a:xfrm>
             <a:off x="1460500" y="3363019"/>
-            <a:ext cx="6680200" cy="952501"/>
+            <a:ext cx="6680200" cy="952502"/>
           </a:xfrm>
           <a:prstGeom prst="rect">
             <a:avLst/>
@@ -6066,7 +6210,7 @@
         <a:solidFill>
           <a:srgbClr val="FFFFFF"/>
         </a:solidFill>
-        <a:ln w="12700" cap="flat">
+        <a:ln w="25400" cap="flat">
           <a:solidFill>
             <a:srgbClr val="D34817"/>
           </a:solidFill>
@@ -6081,7 +6225,7 @@
           </a:outerShdw>
         </a:effectLst>
       </a:spPr>
-      <a:bodyPr rot="0" spcFirstLastPara="1" vertOverflow="overflow" horzOverflow="overflow" vert="horz" wrap="square" lIns="45719" tIns="45719" rIns="45719" bIns="45719" numCol="1" spcCol="38100" rtlCol="0" anchor="ctr" upright="0">
+      <a:bodyPr rot="0" spcFirstLastPara="1" vertOverflow="overflow" horzOverflow="overflow" vert="horz" wrap="square" lIns="45718" tIns="45718" rIns="45718" bIns="45718" numCol="1" spcCol="38100" rtlCol="0" anchor="ctr" upright="0">
         <a:spAutoFit/>
       </a:bodyPr>
       <a:lstStyle>
@@ -6109,10 +6253,10 @@
             </a:solidFill>
             <a:effectLst/>
             <a:uFillTx/>
-            <a:latin typeface="Perpetua"/>
-            <a:ea typeface="Perpetua"/>
-            <a:cs typeface="Perpetua"/>
-            <a:sym typeface="Perpetua"/>
+            <a:latin typeface="+mn-lt"/>
+            <a:ea typeface="+mn-ea"/>
+            <a:cs typeface="+mn-cs"/>
+            <a:sym typeface="Avenir Roman"/>
           </a:defRPr>
         </a:defPPr>
         <a:lvl1pPr marL="0" marR="0" indent="0" algn="l" defTabSz="914400" rtl="0" fontAlgn="auto" latinLnBrk="1" hangingPunct="0">
@@ -6360,7 +6504,7 @@
     <a:lnDef>
       <a:spPr>
         <a:noFill/>
-        <a:ln w="12700" cap="flat">
+        <a:ln w="25400" cap="flat">
           <a:solidFill>
             <a:srgbClr val="D34817"/>
           </a:solidFill>
@@ -6656,7 +6800,7 @@
         </a:ln>
         <a:effectLst/>
       </a:spPr>
-      <a:bodyPr rot="0" spcFirstLastPara="1" vertOverflow="overflow" horzOverflow="overflow" vert="horz" wrap="square" lIns="45719" tIns="45719" rIns="45719" bIns="45719" numCol="1" spcCol="38100" rtlCol="0" anchor="t" upright="0">
+      <a:bodyPr rot="0" spcFirstLastPara="1" vertOverflow="overflow" horzOverflow="overflow" vert="horz" wrap="square" lIns="45718" tIns="45718" rIns="45718" bIns="45718" numCol="1" spcCol="38100" rtlCol="0" anchor="t" upright="0">
         <a:spAutoFit/>
       </a:bodyPr>
       <a:lstStyle>
@@ -6684,10 +6828,10 @@
             </a:solidFill>
             <a:effectLst/>
             <a:uFillTx/>
-            <a:latin typeface="Perpetua"/>
-            <a:ea typeface="Perpetua"/>
-            <a:cs typeface="Perpetua"/>
-            <a:sym typeface="Perpetua"/>
+            <a:latin typeface="+mn-lt"/>
+            <a:ea typeface="+mn-ea"/>
+            <a:cs typeface="+mn-cs"/>
+            <a:sym typeface="Avenir Roman"/>
           </a:defRPr>
         </a:defPPr>
         <a:lvl1pPr marL="0" marR="0" indent="0" algn="l" defTabSz="914400" rtl="0" fontAlgn="auto" latinLnBrk="1" hangingPunct="0">
@@ -7147,7 +7291,7 @@
         <a:solidFill>
           <a:srgbClr val="FFFFFF"/>
         </a:solidFill>
-        <a:ln w="12700" cap="flat">
+        <a:ln w="25400" cap="flat">
           <a:solidFill>
             <a:srgbClr val="D34817"/>
           </a:solidFill>
@@ -7162,7 +7306,7 @@
           </a:outerShdw>
         </a:effectLst>
       </a:spPr>
-      <a:bodyPr rot="0" spcFirstLastPara="1" vertOverflow="overflow" horzOverflow="overflow" vert="horz" wrap="square" lIns="45719" tIns="45719" rIns="45719" bIns="45719" numCol="1" spcCol="38100" rtlCol="0" anchor="ctr" upright="0">
+      <a:bodyPr rot="0" spcFirstLastPara="1" vertOverflow="overflow" horzOverflow="overflow" vert="horz" wrap="square" lIns="45718" tIns="45718" rIns="45718" bIns="45718" numCol="1" spcCol="38100" rtlCol="0" anchor="ctr" upright="0">
         <a:spAutoFit/>
       </a:bodyPr>
       <a:lstStyle>
@@ -7190,10 +7334,10 @@
             </a:solidFill>
             <a:effectLst/>
             <a:uFillTx/>
-            <a:latin typeface="Perpetua"/>
-            <a:ea typeface="Perpetua"/>
-            <a:cs typeface="Perpetua"/>
-            <a:sym typeface="Perpetua"/>
+            <a:latin typeface="+mn-lt"/>
+            <a:ea typeface="+mn-ea"/>
+            <a:cs typeface="+mn-cs"/>
+            <a:sym typeface="Avenir Roman"/>
           </a:defRPr>
         </a:defPPr>
         <a:lvl1pPr marL="0" marR="0" indent="0" algn="l" defTabSz="914400" rtl="0" fontAlgn="auto" latinLnBrk="1" hangingPunct="0">
@@ -7441,7 +7585,7 @@
     <a:lnDef>
       <a:spPr>
         <a:noFill/>
-        <a:ln w="12700" cap="flat">
+        <a:ln w="25400" cap="flat">
           <a:solidFill>
             <a:srgbClr val="D34817"/>
           </a:solidFill>
@@ -7737,7 +7881,7 @@
         </a:ln>
         <a:effectLst/>
       </a:spPr>
-      <a:bodyPr rot="0" spcFirstLastPara="1" vertOverflow="overflow" horzOverflow="overflow" vert="horz" wrap="square" lIns="45719" tIns="45719" rIns="45719" bIns="45719" numCol="1" spcCol="38100" rtlCol="0" anchor="t" upright="0">
+      <a:bodyPr rot="0" spcFirstLastPara="1" vertOverflow="overflow" horzOverflow="overflow" vert="horz" wrap="square" lIns="45718" tIns="45718" rIns="45718" bIns="45718" numCol="1" spcCol="38100" rtlCol="0" anchor="t" upright="0">
         <a:spAutoFit/>
       </a:bodyPr>
       <a:lstStyle>
@@ -7765,10 +7909,10 @@
             </a:solidFill>
             <a:effectLst/>
             <a:uFillTx/>
-            <a:latin typeface="Perpetua"/>
-            <a:ea typeface="Perpetua"/>
-            <a:cs typeface="Perpetua"/>
-            <a:sym typeface="Perpetua"/>
+            <a:latin typeface="+mn-lt"/>
+            <a:ea typeface="+mn-ea"/>
+            <a:cs typeface="+mn-cs"/>
+            <a:sym typeface="Avenir Roman"/>
           </a:defRPr>
         </a:defPPr>
         <a:lvl1pPr marL="0" marR="0" indent="0" algn="l" defTabSz="914400" rtl="0" fontAlgn="auto" latinLnBrk="1" hangingPunct="0">
